--- a/Теория/Поздеев/Презентация ВКР Поздеев.pptx
+++ b/Теория/Поздеев/Презентация ВКР Поздеев.pptx
@@ -1303,6 +1303,86 @@
         </a:p>
       </dgm:t>
     </dgm:pt>
+    <dgm:pt modelId="{21CC3D3A-9829-4DF5-9498-01EE35CF4ECC}">
+      <dgm:prSet/>
+      <dgm:spPr>
+        <a:solidFill>
+          <a:schemeClr val="tx1"/>
+        </a:solidFill>
+      </dgm:spPr>
+      <dgm:t>
+        <a:bodyPr/>
+        <a:lstStyle/>
+        <a:p>
+          <a:r>
+            <a:rPr lang="ru-RU" dirty="0"/>
+            <a:t>Регистрация пользователей</a:t>
+          </a:r>
+        </a:p>
+      </dgm:t>
+    </dgm:pt>
+    <dgm:pt modelId="{9CB50F07-0A78-4DCA-AAFD-7F41E98DDC5C}" type="parTrans" cxnId="{1A2A6633-07E4-4D77-9CD0-8CA46D17357B}">
+      <dgm:prSet/>
+      <dgm:spPr/>
+      <dgm:t>
+        <a:bodyPr/>
+        <a:lstStyle/>
+        <a:p>
+          <a:endParaRPr lang="ru-RU"/>
+        </a:p>
+      </dgm:t>
+    </dgm:pt>
+    <dgm:pt modelId="{FB85B64A-BEB1-4407-B6C4-B32D293F82FB}" type="sibTrans" cxnId="{1A2A6633-07E4-4D77-9CD0-8CA46D17357B}">
+      <dgm:prSet/>
+      <dgm:spPr/>
+      <dgm:t>
+        <a:bodyPr/>
+        <a:lstStyle/>
+        <a:p>
+          <a:endParaRPr lang="ru-RU"/>
+        </a:p>
+      </dgm:t>
+    </dgm:pt>
+    <dgm:pt modelId="{72E7C2E9-0361-41BC-AB34-AED3242A24D3}">
+      <dgm:prSet/>
+      <dgm:spPr>
+        <a:solidFill>
+          <a:schemeClr val="tx1"/>
+        </a:solidFill>
+      </dgm:spPr>
+      <dgm:t>
+        <a:bodyPr/>
+        <a:lstStyle/>
+        <a:p>
+          <a:r>
+            <a:rPr lang="ru-RU" dirty="0"/>
+            <a:t>Авторизация пользователей</a:t>
+          </a:r>
+        </a:p>
+      </dgm:t>
+    </dgm:pt>
+    <dgm:pt modelId="{ADD18322-15DA-437B-A39B-21ED699449B6}" type="parTrans" cxnId="{6C17EF39-D18B-44B9-BD7E-33C61DB25F05}">
+      <dgm:prSet/>
+      <dgm:spPr/>
+      <dgm:t>
+        <a:bodyPr/>
+        <a:lstStyle/>
+        <a:p>
+          <a:endParaRPr lang="ru-RU"/>
+        </a:p>
+      </dgm:t>
+    </dgm:pt>
+    <dgm:pt modelId="{BF3BEA96-4AAE-45A6-BB71-9B21C030C389}" type="sibTrans" cxnId="{6C17EF39-D18B-44B9-BD7E-33C61DB25F05}">
+      <dgm:prSet/>
+      <dgm:spPr/>
+      <dgm:t>
+        <a:bodyPr/>
+        <a:lstStyle/>
+        <a:p>
+          <a:endParaRPr lang="ru-RU"/>
+        </a:p>
+      </dgm:t>
+    </dgm:pt>
     <dgm:pt modelId="{C425EC0C-C896-48FB-928D-80877C72E630}" type="pres">
       <dgm:prSet presAssocID="{E56A1606-B412-48DC-B431-D073BDE099AF}" presName="hierChild1" presStyleCnt="0">
         <dgm:presLayoutVars>
@@ -1412,6 +1492,78 @@
       <dgm:prSet presAssocID="{1444356A-2CCC-4DF1-8060-845304F1A121}" presName="hierChild4" presStyleCnt="0"/>
       <dgm:spPr/>
     </dgm:pt>
+    <dgm:pt modelId="{59F77081-A76A-4D1C-9C48-B570E0CF44FB}" type="pres">
+      <dgm:prSet presAssocID="{9CB50F07-0A78-4DCA-AAFD-7F41E98DDC5C}" presName="Name37" presStyleLbl="parChTrans1D3" presStyleIdx="0" presStyleCnt="7"/>
+      <dgm:spPr/>
+    </dgm:pt>
+    <dgm:pt modelId="{95298058-B795-439C-9301-FB6C5C575F24}" type="pres">
+      <dgm:prSet presAssocID="{21CC3D3A-9829-4DF5-9498-01EE35CF4ECC}" presName="hierRoot2" presStyleCnt="0">
+        <dgm:presLayoutVars>
+          <dgm:hierBranch val="init"/>
+        </dgm:presLayoutVars>
+      </dgm:prSet>
+      <dgm:spPr/>
+    </dgm:pt>
+    <dgm:pt modelId="{C8C2BA06-017E-480C-BEAF-132949A761A1}" type="pres">
+      <dgm:prSet presAssocID="{21CC3D3A-9829-4DF5-9498-01EE35CF4ECC}" presName="rootComposite" presStyleCnt="0"/>
+      <dgm:spPr/>
+    </dgm:pt>
+    <dgm:pt modelId="{7C03A4D4-B47B-4D37-8069-F22DDA619E24}" type="pres">
+      <dgm:prSet presAssocID="{21CC3D3A-9829-4DF5-9498-01EE35CF4ECC}" presName="rootText" presStyleLbl="node3" presStyleIdx="0" presStyleCnt="7">
+        <dgm:presLayoutVars>
+          <dgm:chPref val="3"/>
+        </dgm:presLayoutVars>
+      </dgm:prSet>
+      <dgm:spPr/>
+    </dgm:pt>
+    <dgm:pt modelId="{CFD85BC5-E6EC-477B-8728-A9D712C552B5}" type="pres">
+      <dgm:prSet presAssocID="{21CC3D3A-9829-4DF5-9498-01EE35CF4ECC}" presName="rootConnector" presStyleLbl="node3" presStyleIdx="0" presStyleCnt="7"/>
+      <dgm:spPr/>
+    </dgm:pt>
+    <dgm:pt modelId="{DCE3E667-AC4B-49EB-9F02-42BA1657A334}" type="pres">
+      <dgm:prSet presAssocID="{21CC3D3A-9829-4DF5-9498-01EE35CF4ECC}" presName="hierChild4" presStyleCnt="0"/>
+      <dgm:spPr/>
+    </dgm:pt>
+    <dgm:pt modelId="{37B0303F-F1EF-47D5-87D3-A5D21C2ADC20}" type="pres">
+      <dgm:prSet presAssocID="{21CC3D3A-9829-4DF5-9498-01EE35CF4ECC}" presName="hierChild5" presStyleCnt="0"/>
+      <dgm:spPr/>
+    </dgm:pt>
+    <dgm:pt modelId="{20AE111D-2E6D-41F8-AECD-33A73CBD4E8B}" type="pres">
+      <dgm:prSet presAssocID="{ADD18322-15DA-437B-A39B-21ED699449B6}" presName="Name37" presStyleLbl="parChTrans1D3" presStyleIdx="1" presStyleCnt="7"/>
+      <dgm:spPr/>
+    </dgm:pt>
+    <dgm:pt modelId="{D16EB44C-8939-4DE1-979F-3137F3D608F7}" type="pres">
+      <dgm:prSet presAssocID="{72E7C2E9-0361-41BC-AB34-AED3242A24D3}" presName="hierRoot2" presStyleCnt="0">
+        <dgm:presLayoutVars>
+          <dgm:hierBranch val="init"/>
+        </dgm:presLayoutVars>
+      </dgm:prSet>
+      <dgm:spPr/>
+    </dgm:pt>
+    <dgm:pt modelId="{F91A4845-09CB-4DAF-92F3-55CA958DD092}" type="pres">
+      <dgm:prSet presAssocID="{72E7C2E9-0361-41BC-AB34-AED3242A24D3}" presName="rootComposite" presStyleCnt="0"/>
+      <dgm:spPr/>
+    </dgm:pt>
+    <dgm:pt modelId="{5160B6BE-6956-4B37-A4F5-902F56B3729C}" type="pres">
+      <dgm:prSet presAssocID="{72E7C2E9-0361-41BC-AB34-AED3242A24D3}" presName="rootText" presStyleLbl="node3" presStyleIdx="1" presStyleCnt="7">
+        <dgm:presLayoutVars>
+          <dgm:chPref val="3"/>
+        </dgm:presLayoutVars>
+      </dgm:prSet>
+      <dgm:spPr/>
+    </dgm:pt>
+    <dgm:pt modelId="{E68E267C-8E31-4BA3-ADD1-C89CA8951859}" type="pres">
+      <dgm:prSet presAssocID="{72E7C2E9-0361-41BC-AB34-AED3242A24D3}" presName="rootConnector" presStyleLbl="node3" presStyleIdx="1" presStyleCnt="7"/>
+      <dgm:spPr/>
+    </dgm:pt>
+    <dgm:pt modelId="{761C359F-83C6-46FE-A8E6-46F1A633DD9D}" type="pres">
+      <dgm:prSet presAssocID="{72E7C2E9-0361-41BC-AB34-AED3242A24D3}" presName="hierChild4" presStyleCnt="0"/>
+      <dgm:spPr/>
+    </dgm:pt>
+    <dgm:pt modelId="{5014330B-A6FC-4E2A-BBB4-0925CEFF7024}" type="pres">
+      <dgm:prSet presAssocID="{72E7C2E9-0361-41BC-AB34-AED3242A24D3}" presName="hierChild5" presStyleCnt="0"/>
+      <dgm:spPr/>
+    </dgm:pt>
     <dgm:pt modelId="{C2EA4313-D850-4C92-856B-0D6302D8A232}" type="pres">
       <dgm:prSet presAssocID="{1444356A-2CCC-4DF1-8060-845304F1A121}" presName="hierChild5" presStyleCnt="0"/>
       <dgm:spPr/>
@@ -1449,7 +1601,7 @@
       <dgm:spPr/>
     </dgm:pt>
     <dgm:pt modelId="{EA13E375-64F0-41AE-BE46-0201C40EFDC6}" type="pres">
-      <dgm:prSet presAssocID="{5CB0D8AA-079D-4DE2-A027-3C5FE9DDB7DC}" presName="Name37" presStyleLbl="parChTrans1D3" presStyleIdx="0" presStyleCnt="5"/>
+      <dgm:prSet presAssocID="{5CB0D8AA-079D-4DE2-A027-3C5FE9DDB7DC}" presName="Name37" presStyleLbl="parChTrans1D3" presStyleIdx="2" presStyleCnt="7"/>
       <dgm:spPr/>
     </dgm:pt>
     <dgm:pt modelId="{2036440D-557F-48B5-BA49-BC35EFC75E98}" type="pres">
@@ -1465,7 +1617,7 @@
       <dgm:spPr/>
     </dgm:pt>
     <dgm:pt modelId="{F684CB6D-0CA3-4575-B400-83A8010D1C8F}" type="pres">
-      <dgm:prSet presAssocID="{7AA57574-C233-4284-AC8F-A08EE20B7F5A}" presName="rootText" presStyleLbl="node3" presStyleIdx="0" presStyleCnt="5">
+      <dgm:prSet presAssocID="{7AA57574-C233-4284-AC8F-A08EE20B7F5A}" presName="rootText" presStyleLbl="node3" presStyleIdx="2" presStyleCnt="7">
         <dgm:presLayoutVars>
           <dgm:chPref val="3"/>
         </dgm:presLayoutVars>
@@ -1473,7 +1625,7 @@
       <dgm:spPr/>
     </dgm:pt>
     <dgm:pt modelId="{496354FE-F3CC-4D1F-931B-2ED8EC9B90C8}" type="pres">
-      <dgm:prSet presAssocID="{7AA57574-C233-4284-AC8F-A08EE20B7F5A}" presName="rootConnector" presStyleLbl="node3" presStyleIdx="0" presStyleCnt="5"/>
+      <dgm:prSet presAssocID="{7AA57574-C233-4284-AC8F-A08EE20B7F5A}" presName="rootConnector" presStyleLbl="node3" presStyleIdx="2" presStyleCnt="7"/>
       <dgm:spPr/>
     </dgm:pt>
     <dgm:pt modelId="{D40DAF58-77D1-47E6-BABC-9A4A00FF0201}" type="pres">
@@ -1485,7 +1637,7 @@
       <dgm:spPr/>
     </dgm:pt>
     <dgm:pt modelId="{C7DDE1B5-3221-4895-A983-D4D793190E3A}" type="pres">
-      <dgm:prSet presAssocID="{09F555BA-FE77-492F-84B7-5289B24891A3}" presName="Name37" presStyleLbl="parChTrans1D3" presStyleIdx="1" presStyleCnt="5"/>
+      <dgm:prSet presAssocID="{09F555BA-FE77-492F-84B7-5289B24891A3}" presName="Name37" presStyleLbl="parChTrans1D3" presStyleIdx="3" presStyleCnt="7"/>
       <dgm:spPr/>
     </dgm:pt>
     <dgm:pt modelId="{2FA24DC3-093D-4E97-AC4D-D6632FAE5CEA}" type="pres">
@@ -1501,7 +1653,7 @@
       <dgm:spPr/>
     </dgm:pt>
     <dgm:pt modelId="{CF81FC50-5925-44BE-B20B-29F815938336}" type="pres">
-      <dgm:prSet presAssocID="{16C5A2A5-6852-4791-A406-C8A6AB3EB4CA}" presName="rootText" presStyleLbl="node3" presStyleIdx="1" presStyleCnt="5">
+      <dgm:prSet presAssocID="{16C5A2A5-6852-4791-A406-C8A6AB3EB4CA}" presName="rootText" presStyleLbl="node3" presStyleIdx="3" presStyleCnt="7">
         <dgm:presLayoutVars>
           <dgm:chPref val="3"/>
         </dgm:presLayoutVars>
@@ -1509,7 +1661,7 @@
       <dgm:spPr/>
     </dgm:pt>
     <dgm:pt modelId="{984FD0E1-2D92-47EA-BCDD-9D8C52305717}" type="pres">
-      <dgm:prSet presAssocID="{16C5A2A5-6852-4791-A406-C8A6AB3EB4CA}" presName="rootConnector" presStyleLbl="node3" presStyleIdx="1" presStyleCnt="5"/>
+      <dgm:prSet presAssocID="{16C5A2A5-6852-4791-A406-C8A6AB3EB4CA}" presName="rootConnector" presStyleLbl="node3" presStyleIdx="3" presStyleCnt="7"/>
       <dgm:spPr/>
     </dgm:pt>
     <dgm:pt modelId="{092CD1C3-AD72-4031-9F94-89D01E74FB8F}" type="pres">
@@ -1557,7 +1709,7 @@
       <dgm:spPr/>
     </dgm:pt>
     <dgm:pt modelId="{54C625C3-ED21-4BEC-A6B2-36F003EB321C}" type="pres">
-      <dgm:prSet presAssocID="{8DBDA32E-CEDB-4958-933D-EAF333B158DB}" presName="Name37" presStyleLbl="parChTrans1D3" presStyleIdx="2" presStyleCnt="5"/>
+      <dgm:prSet presAssocID="{8DBDA32E-CEDB-4958-933D-EAF333B158DB}" presName="Name37" presStyleLbl="parChTrans1D3" presStyleIdx="4" presStyleCnt="7"/>
       <dgm:spPr/>
     </dgm:pt>
     <dgm:pt modelId="{DF0A9812-B2A2-47B5-9A3E-1F9023DBC17F}" type="pres">
@@ -1573,7 +1725,7 @@
       <dgm:spPr/>
     </dgm:pt>
     <dgm:pt modelId="{370B2BA9-3B69-4D8C-859C-83949602F126}" type="pres">
-      <dgm:prSet presAssocID="{42FC45B0-1C9B-4A8B-B0B2-F3D2FF3A2468}" presName="rootText" presStyleLbl="node3" presStyleIdx="2" presStyleCnt="5">
+      <dgm:prSet presAssocID="{42FC45B0-1C9B-4A8B-B0B2-F3D2FF3A2468}" presName="rootText" presStyleLbl="node3" presStyleIdx="4" presStyleCnt="7">
         <dgm:presLayoutVars>
           <dgm:chPref val="3"/>
         </dgm:presLayoutVars>
@@ -1581,7 +1733,7 @@
       <dgm:spPr/>
     </dgm:pt>
     <dgm:pt modelId="{6D1182BA-3C0E-4439-9AC5-76ED492F75EB}" type="pres">
-      <dgm:prSet presAssocID="{42FC45B0-1C9B-4A8B-B0B2-F3D2FF3A2468}" presName="rootConnector" presStyleLbl="node3" presStyleIdx="2" presStyleCnt="5"/>
+      <dgm:prSet presAssocID="{42FC45B0-1C9B-4A8B-B0B2-F3D2FF3A2468}" presName="rootConnector" presStyleLbl="node3" presStyleIdx="4" presStyleCnt="7"/>
       <dgm:spPr/>
     </dgm:pt>
     <dgm:pt modelId="{E8FACB55-44CB-4D1C-B8B2-D9E3EC1473E7}" type="pres">
@@ -1593,7 +1745,7 @@
       <dgm:spPr/>
     </dgm:pt>
     <dgm:pt modelId="{A194D412-1823-4CAC-ACAD-63D56EBE3FA3}" type="pres">
-      <dgm:prSet presAssocID="{C500B74A-3977-42FA-B0EF-541749584CCF}" presName="Name37" presStyleLbl="parChTrans1D3" presStyleIdx="3" presStyleCnt="5"/>
+      <dgm:prSet presAssocID="{C500B74A-3977-42FA-B0EF-541749584CCF}" presName="Name37" presStyleLbl="parChTrans1D3" presStyleIdx="5" presStyleCnt="7"/>
       <dgm:spPr/>
     </dgm:pt>
     <dgm:pt modelId="{6078C560-FB54-461B-8C47-F18335AF84B9}" type="pres">
@@ -1609,7 +1761,7 @@
       <dgm:spPr/>
     </dgm:pt>
     <dgm:pt modelId="{2E6DF66F-FA8C-44E4-AEBC-B414769205A9}" type="pres">
-      <dgm:prSet presAssocID="{E72DCED2-8557-4FA3-AC19-06B6B9A2E37F}" presName="rootText" presStyleLbl="node3" presStyleIdx="3" presStyleCnt="5">
+      <dgm:prSet presAssocID="{E72DCED2-8557-4FA3-AC19-06B6B9A2E37F}" presName="rootText" presStyleLbl="node3" presStyleIdx="5" presStyleCnt="7">
         <dgm:presLayoutVars>
           <dgm:chPref val="3"/>
         </dgm:presLayoutVars>
@@ -1617,7 +1769,7 @@
       <dgm:spPr/>
     </dgm:pt>
     <dgm:pt modelId="{BA484903-3C28-497B-805D-DF24C488C7A0}" type="pres">
-      <dgm:prSet presAssocID="{E72DCED2-8557-4FA3-AC19-06B6B9A2E37F}" presName="rootConnector" presStyleLbl="node3" presStyleIdx="3" presStyleCnt="5"/>
+      <dgm:prSet presAssocID="{E72DCED2-8557-4FA3-AC19-06B6B9A2E37F}" presName="rootConnector" presStyleLbl="node3" presStyleIdx="5" presStyleCnt="7"/>
       <dgm:spPr/>
     </dgm:pt>
     <dgm:pt modelId="{20B2B864-3915-4267-8383-60CBA9129F73}" type="pres">
@@ -1629,7 +1781,7 @@
       <dgm:spPr/>
     </dgm:pt>
     <dgm:pt modelId="{A3A9214C-149D-450C-B524-8A8AFBAE6598}" type="pres">
-      <dgm:prSet presAssocID="{06E67021-E373-46DD-B510-B025D62858F0}" presName="Name37" presStyleLbl="parChTrans1D3" presStyleIdx="4" presStyleCnt="5"/>
+      <dgm:prSet presAssocID="{06E67021-E373-46DD-B510-B025D62858F0}" presName="Name37" presStyleLbl="parChTrans1D3" presStyleIdx="6" presStyleCnt="7"/>
       <dgm:spPr/>
     </dgm:pt>
     <dgm:pt modelId="{835CD7ED-F7B0-4392-8CC5-E49A2F07232D}" type="pres">
@@ -1645,7 +1797,7 @@
       <dgm:spPr/>
     </dgm:pt>
     <dgm:pt modelId="{37B891EE-457B-4B1D-8D27-286A7326E551}" type="pres">
-      <dgm:prSet presAssocID="{2B13909C-1305-4F36-800F-01E48E5218D8}" presName="rootText" presStyleLbl="node3" presStyleIdx="4" presStyleCnt="5">
+      <dgm:prSet presAssocID="{2B13909C-1305-4F36-800F-01E48E5218D8}" presName="rootText" presStyleLbl="node3" presStyleIdx="6" presStyleCnt="7">
         <dgm:presLayoutVars>
           <dgm:chPref val="3"/>
         </dgm:presLayoutVars>
@@ -1653,7 +1805,7 @@
       <dgm:spPr/>
     </dgm:pt>
     <dgm:pt modelId="{0DDF5149-6241-49AC-AD76-56534B6EC371}" type="pres">
-      <dgm:prSet presAssocID="{2B13909C-1305-4F36-800F-01E48E5218D8}" presName="rootConnector" presStyleLbl="node3" presStyleIdx="4" presStyleCnt="5"/>
+      <dgm:prSet presAssocID="{2B13909C-1305-4F36-800F-01E48E5218D8}" presName="rootConnector" presStyleLbl="node3" presStyleIdx="6" presStyleCnt="7"/>
       <dgm:spPr/>
     </dgm:pt>
     <dgm:pt modelId="{817EB491-3303-47FF-A02E-F6B4FBD01A20}" type="pres">
@@ -1682,7 +1834,10 @@
     <dgm:cxn modelId="{E18D3F21-BF19-4FD2-A974-E31D001A4191}" type="presOf" srcId="{E72DCED2-8557-4FA3-AC19-06B6B9A2E37F}" destId="{BA484903-3C28-497B-805D-DF24C488C7A0}" srcOrd="1" destOrd="0" presId="urn:microsoft.com/office/officeart/2005/8/layout/orgChart1"/>
     <dgm:cxn modelId="{D7D91A24-1231-4BEB-9C94-944B1E9552EA}" type="presOf" srcId="{6BFF1C58-5C59-46CA-A03C-6B32D2E4F714}" destId="{D9AA9C8F-C87E-4B98-AB1B-B0704EF4D484}" srcOrd="0" destOrd="0" presId="urn:microsoft.com/office/officeart/2005/8/layout/orgChart1"/>
     <dgm:cxn modelId="{FE56672B-33FC-44BC-8836-D472536CD1FE}" srcId="{5D438917-69EB-4960-9EE9-6184D48EA467}" destId="{1444356A-2CCC-4DF1-8060-845304F1A121}" srcOrd="1" destOrd="0" parTransId="{05243F4A-7AB1-440A-B158-DDCEA8D9CC01}" sibTransId="{BCE9B881-3429-49C2-A308-BC59F9C20F05}"/>
+    <dgm:cxn modelId="{C1B8032C-BE04-43D7-93C1-F48D976280AF}" type="presOf" srcId="{21CC3D3A-9829-4DF5-9498-01EE35CF4ECC}" destId="{CFD85BC5-E6EC-477B-8728-A9D712C552B5}" srcOrd="1" destOrd="0" presId="urn:microsoft.com/office/officeart/2005/8/layout/orgChart1"/>
     <dgm:cxn modelId="{B3C7282C-20D2-4D17-996E-9274213A44E3}" type="presOf" srcId="{C758C8A6-126C-4CF9-A7E3-CBBC44B48497}" destId="{234E4956-0619-4F9B-A962-891A825ED1C1}" srcOrd="1" destOrd="0" presId="urn:microsoft.com/office/officeart/2005/8/layout/orgChart1"/>
+    <dgm:cxn modelId="{1A2A6633-07E4-4D77-9CD0-8CA46D17357B}" srcId="{1444356A-2CCC-4DF1-8060-845304F1A121}" destId="{21CC3D3A-9829-4DF5-9498-01EE35CF4ECC}" srcOrd="0" destOrd="0" parTransId="{9CB50F07-0A78-4DCA-AAFD-7F41E98DDC5C}" sibTransId="{FB85B64A-BEB1-4407-B6C4-B32D293F82FB}"/>
+    <dgm:cxn modelId="{6C17EF39-D18B-44B9-BD7E-33C61DB25F05}" srcId="{1444356A-2CCC-4DF1-8060-845304F1A121}" destId="{72E7C2E9-0361-41BC-AB34-AED3242A24D3}" srcOrd="1" destOrd="0" parTransId="{ADD18322-15DA-437B-A39B-21ED699449B6}" sibTransId="{BF3BEA96-4AAE-45A6-BB71-9B21C030C389}"/>
     <dgm:cxn modelId="{9C7FA03B-6E95-4CF8-B99B-54A8D511E9E2}" srcId="{5D438917-69EB-4960-9EE9-6184D48EA467}" destId="{65ACCE1D-3BD4-4927-A396-2D6CF96BDFBC}" srcOrd="0" destOrd="0" parTransId="{6BFF1C58-5C59-46CA-A03C-6B32D2E4F714}" sibTransId="{EDC29EB1-B31E-4A51-98E4-6B2444D260DA}"/>
     <dgm:cxn modelId="{E70E183D-4080-446D-A53F-0069CEC5B485}" srcId="{5D438917-69EB-4960-9EE9-6184D48EA467}" destId="{C761D48B-45E3-41DC-8EE1-AEC4A1AF3659}" srcOrd="3" destOrd="0" parTransId="{2D31D540-5954-4A9F-BB45-3F8A21254195}" sibTransId="{034323FE-DD98-4981-B780-4387B3101F9A}"/>
     <dgm:cxn modelId="{61FA4E5D-C963-477E-A60A-252F36D59C23}" srcId="{C761D48B-45E3-41DC-8EE1-AEC4A1AF3659}" destId="{42FC45B0-1C9B-4A8B-B0B2-F3D2FF3A2468}" srcOrd="0" destOrd="0" parTransId="{8DBDA32E-CEDB-4958-933D-EAF333B158DB}" sibTransId="{77154F5C-EBB2-49EC-A0B8-A101D0BDB9EF}"/>
@@ -1699,11 +1854,13 @@
     <dgm:cxn modelId="{66ABC271-D95A-413E-ACEB-794C9429134F}" type="presOf" srcId="{2B13909C-1305-4F36-800F-01E48E5218D8}" destId="{0DDF5149-6241-49AC-AD76-56534B6EC371}" srcOrd="1" destOrd="0" presId="urn:microsoft.com/office/officeart/2005/8/layout/orgChart1"/>
     <dgm:cxn modelId="{664AD55A-264F-46A8-8961-582730E00273}" srcId="{5D438917-69EB-4960-9EE9-6184D48EA467}" destId="{C758C8A6-126C-4CF9-A7E3-CBBC44B48497}" srcOrd="2" destOrd="0" parTransId="{8797460D-7CF2-41FC-8E93-DAD94949E865}" sibTransId="{3A36C136-C071-4C69-AFB3-1C4918486399}"/>
     <dgm:cxn modelId="{C3DC0285-E642-4843-A63D-8B2932DB924A}" srcId="{C761D48B-45E3-41DC-8EE1-AEC4A1AF3659}" destId="{E72DCED2-8557-4FA3-AC19-06B6B9A2E37F}" srcOrd="1" destOrd="0" parTransId="{C500B74A-3977-42FA-B0EF-541749584CCF}" sibTransId="{AFC61A09-EE85-44A5-90F4-FA207310FE00}"/>
+    <dgm:cxn modelId="{21444F88-8D63-4A24-97F6-80F473D00442}" type="presOf" srcId="{ADD18322-15DA-437B-A39B-21ED699449B6}" destId="{20AE111D-2E6D-41F8-AECD-33A73CBD4E8B}" srcOrd="0" destOrd="0" presId="urn:microsoft.com/office/officeart/2005/8/layout/orgChart1"/>
     <dgm:cxn modelId="{F8D11095-65FE-4CCB-B730-7243D5EA5055}" type="presOf" srcId="{5D438917-69EB-4960-9EE9-6184D48EA467}" destId="{114B413F-3723-4A0A-95A9-A951E3190945}" srcOrd="0" destOrd="0" presId="urn:microsoft.com/office/officeart/2005/8/layout/orgChart1"/>
     <dgm:cxn modelId="{A7A2569D-B9E0-46D4-907D-9BF83CF3C5EA}" type="presOf" srcId="{2D31D540-5954-4A9F-BB45-3F8A21254195}" destId="{096189C1-DA8D-48D6-8880-7BF514A3200A}" srcOrd="0" destOrd="0" presId="urn:microsoft.com/office/officeart/2005/8/layout/orgChart1"/>
     <dgm:cxn modelId="{0A25B7A7-B853-44E7-8B57-9E159A5F2A90}" type="presOf" srcId="{7AA57574-C233-4284-AC8F-A08EE20B7F5A}" destId="{496354FE-F3CC-4D1F-931B-2ED8EC9B90C8}" srcOrd="1" destOrd="0" presId="urn:microsoft.com/office/officeart/2005/8/layout/orgChart1"/>
     <dgm:cxn modelId="{8118D0B1-C9D8-4D4B-92D3-55F6B3A30E4A}" type="presOf" srcId="{5CB0D8AA-079D-4DE2-A027-3C5FE9DDB7DC}" destId="{EA13E375-64F0-41AE-BE46-0201C40EFDC6}" srcOrd="0" destOrd="0" presId="urn:microsoft.com/office/officeart/2005/8/layout/orgChart1"/>
     <dgm:cxn modelId="{B2F46DB3-F760-493A-B8B4-2D5897D2499D}" type="presOf" srcId="{C761D48B-45E3-41DC-8EE1-AEC4A1AF3659}" destId="{CC4A03C4-DDC0-4767-B0DC-552FE17BF4B2}" srcOrd="0" destOrd="0" presId="urn:microsoft.com/office/officeart/2005/8/layout/orgChart1"/>
+    <dgm:cxn modelId="{77DBABB3-745D-4271-8DC1-73F114384608}" type="presOf" srcId="{72E7C2E9-0361-41BC-AB34-AED3242A24D3}" destId="{E68E267C-8E31-4BA3-ADD1-C89CA8951859}" srcOrd="1" destOrd="0" presId="urn:microsoft.com/office/officeart/2005/8/layout/orgChart1"/>
     <dgm:cxn modelId="{7FE1CCB8-588D-4E0A-A974-498E5655612F}" srcId="{C758C8A6-126C-4CF9-A7E3-CBBC44B48497}" destId="{16C5A2A5-6852-4791-A406-C8A6AB3EB4CA}" srcOrd="1" destOrd="0" parTransId="{09F555BA-FE77-492F-84B7-5289B24891A3}" sibTransId="{36CF9179-A062-468B-B83B-390DB61F4FB4}"/>
     <dgm:cxn modelId="{2FFAAEBD-AAEB-4ECF-9A0D-EB48F523D0D1}" type="presOf" srcId="{42FC45B0-1C9B-4A8B-B0B2-F3D2FF3A2468}" destId="{6D1182BA-3C0E-4439-9AC5-76ED492F75EB}" srcOrd="1" destOrd="0" presId="urn:microsoft.com/office/officeart/2005/8/layout/orgChart1"/>
     <dgm:cxn modelId="{288F6BC0-91EB-434A-8835-395261E79868}" type="presOf" srcId="{C758C8A6-126C-4CF9-A7E3-CBBC44B48497}" destId="{6692DA02-AB2C-4B87-A2A3-ABC5C7B149A0}" srcOrd="0" destOrd="0" presId="urn:microsoft.com/office/officeart/2005/8/layout/orgChart1"/>
@@ -1711,7 +1868,10 @@
     <dgm:cxn modelId="{15998AD7-21C7-4179-AD79-B69D53DA9FBB}" type="presOf" srcId="{09F555BA-FE77-492F-84B7-5289B24891A3}" destId="{C7DDE1B5-3221-4895-A983-D4D793190E3A}" srcOrd="0" destOrd="0" presId="urn:microsoft.com/office/officeart/2005/8/layout/orgChart1"/>
     <dgm:cxn modelId="{6305B6E6-97E4-4303-8C71-A7AC62D329C0}" type="presOf" srcId="{8DBDA32E-CEDB-4958-933D-EAF333B158DB}" destId="{54C625C3-ED21-4BEC-A6B2-36F003EB321C}" srcOrd="0" destOrd="0" presId="urn:microsoft.com/office/officeart/2005/8/layout/orgChart1"/>
     <dgm:cxn modelId="{C8C62FE7-D7B2-4FF0-A42F-BDBB22F4E309}" type="presOf" srcId="{C500B74A-3977-42FA-B0EF-541749584CCF}" destId="{A194D412-1823-4CAC-ACAD-63D56EBE3FA3}" srcOrd="0" destOrd="0" presId="urn:microsoft.com/office/officeart/2005/8/layout/orgChart1"/>
+    <dgm:cxn modelId="{367ACFEB-68BB-48B0-94AC-0612F5D53433}" type="presOf" srcId="{9CB50F07-0A78-4DCA-AAFD-7F41E98DDC5C}" destId="{59F77081-A76A-4D1C-9C48-B570E0CF44FB}" srcOrd="0" destOrd="0" presId="urn:microsoft.com/office/officeart/2005/8/layout/orgChart1"/>
     <dgm:cxn modelId="{CCDE8FEC-E31A-4AD3-AE93-09F6CE99AA52}" type="presOf" srcId="{05243F4A-7AB1-440A-B158-DDCEA8D9CC01}" destId="{7B82CD7D-E66B-495D-A167-208DAFE04C14}" srcOrd="0" destOrd="0" presId="urn:microsoft.com/office/officeart/2005/8/layout/orgChart1"/>
+    <dgm:cxn modelId="{DBBC27F1-0AC8-48DD-9454-50D9EB8F3C7A}" type="presOf" srcId="{21CC3D3A-9829-4DF5-9498-01EE35CF4ECC}" destId="{7C03A4D4-B47B-4D37-8069-F22DDA619E24}" srcOrd="0" destOrd="0" presId="urn:microsoft.com/office/officeart/2005/8/layout/orgChart1"/>
+    <dgm:cxn modelId="{EE813FF5-DCB0-405D-A172-509F7EE29D9C}" type="presOf" srcId="{72E7C2E9-0361-41BC-AB34-AED3242A24D3}" destId="{5160B6BE-6956-4B37-A4F5-902F56B3729C}" srcOrd="0" destOrd="0" presId="urn:microsoft.com/office/officeart/2005/8/layout/orgChart1"/>
     <dgm:cxn modelId="{F87B36F7-BC62-4E0B-88B0-47CBCC2D0DB6}" type="presOf" srcId="{16C5A2A5-6852-4791-A406-C8A6AB3EB4CA}" destId="{CF81FC50-5925-44BE-B20B-29F815938336}" srcOrd="0" destOrd="0" presId="urn:microsoft.com/office/officeart/2005/8/layout/orgChart1"/>
     <dgm:cxn modelId="{530047FF-B082-4022-B408-82D15080296B}" type="presOf" srcId="{65ACCE1D-3BD4-4927-A396-2D6CF96BDFBC}" destId="{D37B394A-D89D-4E25-AF9E-8F0906EC8762}" srcOrd="0" destOrd="0" presId="urn:microsoft.com/office/officeart/2005/8/layout/orgChart1"/>
     <dgm:cxn modelId="{21B58D87-99CB-4DE5-929D-4C7E2650DA2F}" type="presParOf" srcId="{C425EC0C-C896-48FB-928D-80877C72E630}" destId="{6A8999E0-D0D2-4979-BF64-F9FDC364158E}" srcOrd="0" destOrd="0" presId="urn:microsoft.com/office/officeart/2005/8/layout/orgChart1"/>
@@ -1732,6 +1892,20 @@
     <dgm:cxn modelId="{C69879FC-7DD7-4766-96DA-42270C4B5EA3}" type="presParOf" srcId="{3512B48C-537C-47DC-AB3F-4A851BBF7849}" destId="{5BFB8CE3-FDDB-4A47-A1BD-182D99E3E1A7}" srcOrd="0" destOrd="0" presId="urn:microsoft.com/office/officeart/2005/8/layout/orgChart1"/>
     <dgm:cxn modelId="{3FE54EEE-B4DE-4ECB-919E-3131110A5E4F}" type="presParOf" srcId="{3512B48C-537C-47DC-AB3F-4A851BBF7849}" destId="{30F22507-1AE0-4B4F-8996-D2C2574F21E9}" srcOrd="1" destOrd="0" presId="urn:microsoft.com/office/officeart/2005/8/layout/orgChart1"/>
     <dgm:cxn modelId="{F0770A88-0B5C-4457-AB01-840B490E5AD7}" type="presParOf" srcId="{5140C48E-74C7-45A2-AD9C-6B3A71FE7F44}" destId="{843ABC10-23B0-4A02-82C9-6B0B1EC697CF}" srcOrd="1" destOrd="0" presId="urn:microsoft.com/office/officeart/2005/8/layout/orgChart1"/>
+    <dgm:cxn modelId="{3A41CAE8-C728-4E95-9BC5-6AAAB71BD04B}" type="presParOf" srcId="{843ABC10-23B0-4A02-82C9-6B0B1EC697CF}" destId="{59F77081-A76A-4D1C-9C48-B570E0CF44FB}" srcOrd="0" destOrd="0" presId="urn:microsoft.com/office/officeart/2005/8/layout/orgChart1"/>
+    <dgm:cxn modelId="{CAC1FDDB-B922-4EEF-BF6A-477CC83104AE}" type="presParOf" srcId="{843ABC10-23B0-4A02-82C9-6B0B1EC697CF}" destId="{95298058-B795-439C-9301-FB6C5C575F24}" srcOrd="1" destOrd="0" presId="urn:microsoft.com/office/officeart/2005/8/layout/orgChart1"/>
+    <dgm:cxn modelId="{C42DB1D0-200B-4A6F-8411-B487CBA0B5F9}" type="presParOf" srcId="{95298058-B795-439C-9301-FB6C5C575F24}" destId="{C8C2BA06-017E-480C-BEAF-132949A761A1}" srcOrd="0" destOrd="0" presId="urn:microsoft.com/office/officeart/2005/8/layout/orgChart1"/>
+    <dgm:cxn modelId="{65517316-E631-471C-B915-2A33C44A891E}" type="presParOf" srcId="{C8C2BA06-017E-480C-BEAF-132949A761A1}" destId="{7C03A4D4-B47B-4D37-8069-F22DDA619E24}" srcOrd="0" destOrd="0" presId="urn:microsoft.com/office/officeart/2005/8/layout/orgChart1"/>
+    <dgm:cxn modelId="{D2EE715F-56B6-4225-96F2-0FE04FDC20BD}" type="presParOf" srcId="{C8C2BA06-017E-480C-BEAF-132949A761A1}" destId="{CFD85BC5-E6EC-477B-8728-A9D712C552B5}" srcOrd="1" destOrd="0" presId="urn:microsoft.com/office/officeart/2005/8/layout/orgChart1"/>
+    <dgm:cxn modelId="{79CBA504-43DD-4A06-987E-A15FBDA40BEF}" type="presParOf" srcId="{95298058-B795-439C-9301-FB6C5C575F24}" destId="{DCE3E667-AC4B-49EB-9F02-42BA1657A334}" srcOrd="1" destOrd="0" presId="urn:microsoft.com/office/officeart/2005/8/layout/orgChart1"/>
+    <dgm:cxn modelId="{E41E68B0-1B90-4239-A87C-9C0FE5221102}" type="presParOf" srcId="{95298058-B795-439C-9301-FB6C5C575F24}" destId="{37B0303F-F1EF-47D5-87D3-A5D21C2ADC20}" srcOrd="2" destOrd="0" presId="urn:microsoft.com/office/officeart/2005/8/layout/orgChart1"/>
+    <dgm:cxn modelId="{25D4C4C6-CBB6-40C1-9778-A8BC093840CA}" type="presParOf" srcId="{843ABC10-23B0-4A02-82C9-6B0B1EC697CF}" destId="{20AE111D-2E6D-41F8-AECD-33A73CBD4E8B}" srcOrd="2" destOrd="0" presId="urn:microsoft.com/office/officeart/2005/8/layout/orgChart1"/>
+    <dgm:cxn modelId="{16FC2271-63C2-4D67-8906-9EC8FEF647CA}" type="presParOf" srcId="{843ABC10-23B0-4A02-82C9-6B0B1EC697CF}" destId="{D16EB44C-8939-4DE1-979F-3137F3D608F7}" srcOrd="3" destOrd="0" presId="urn:microsoft.com/office/officeart/2005/8/layout/orgChart1"/>
+    <dgm:cxn modelId="{AF0EC86B-21BD-47D2-A34F-4DECA32657C4}" type="presParOf" srcId="{D16EB44C-8939-4DE1-979F-3137F3D608F7}" destId="{F91A4845-09CB-4DAF-92F3-55CA958DD092}" srcOrd="0" destOrd="0" presId="urn:microsoft.com/office/officeart/2005/8/layout/orgChart1"/>
+    <dgm:cxn modelId="{B131D1E1-E9EC-4B31-9707-6B6AD5F614EA}" type="presParOf" srcId="{F91A4845-09CB-4DAF-92F3-55CA958DD092}" destId="{5160B6BE-6956-4B37-A4F5-902F56B3729C}" srcOrd="0" destOrd="0" presId="urn:microsoft.com/office/officeart/2005/8/layout/orgChart1"/>
+    <dgm:cxn modelId="{EF94B806-8156-4447-B215-358C86D3CF5B}" type="presParOf" srcId="{F91A4845-09CB-4DAF-92F3-55CA958DD092}" destId="{E68E267C-8E31-4BA3-ADD1-C89CA8951859}" srcOrd="1" destOrd="0" presId="urn:microsoft.com/office/officeart/2005/8/layout/orgChart1"/>
+    <dgm:cxn modelId="{24F35CCE-4037-4B04-BE84-F1850DD5D5BF}" type="presParOf" srcId="{D16EB44C-8939-4DE1-979F-3137F3D608F7}" destId="{761C359F-83C6-46FE-A8E6-46F1A633DD9D}" srcOrd="1" destOrd="0" presId="urn:microsoft.com/office/officeart/2005/8/layout/orgChart1"/>
+    <dgm:cxn modelId="{BA93FE39-B486-4602-9C20-C87F7D091901}" type="presParOf" srcId="{D16EB44C-8939-4DE1-979F-3137F3D608F7}" destId="{5014330B-A6FC-4E2A-BBB4-0925CEFF7024}" srcOrd="2" destOrd="0" presId="urn:microsoft.com/office/officeart/2005/8/layout/orgChart1"/>
     <dgm:cxn modelId="{E4F93AFA-736A-45A1-8CCD-BEA923A61E44}" type="presParOf" srcId="{5140C48E-74C7-45A2-AD9C-6B3A71FE7F44}" destId="{C2EA4313-D850-4C92-856B-0D6302D8A232}" srcOrd="2" destOrd="0" presId="urn:microsoft.com/office/officeart/2005/8/layout/orgChart1"/>
     <dgm:cxn modelId="{904D6DCE-6778-4526-A6FE-8A0954A53794}" type="presParOf" srcId="{96BF84BC-FFB6-4FCF-807C-F0C2B4A15322}" destId="{2D411D37-64EF-4925-8EE2-9A49E967AE67}" srcOrd="4" destOrd="0" presId="urn:microsoft.com/office/officeart/2005/8/layout/orgChart1"/>
     <dgm:cxn modelId="{9D70189E-0A0A-4412-B20E-17C1BBC683A1}" type="presParOf" srcId="{96BF84BC-FFB6-4FCF-807C-F0C2B4A15322}" destId="{D46FA846-263F-443A-A843-00FB51B2F2CE}" srcOrd="5" destOrd="0" presId="urn:microsoft.com/office/officeart/2005/8/layout/orgChart1"/>
@@ -2214,6 +2388,122 @@
         <a:fontRef idx="minor"/>
       </dsp:style>
     </dsp:sp>
+    <dsp:sp modelId="{20AE111D-2E6D-41F8-AECD-33A73CBD4E8B}">
+      <dsp:nvSpPr>
+        <dsp:cNvPr id="0" name=""/>
+        <dsp:cNvSpPr/>
+      </dsp:nvSpPr>
+      <dsp:spPr>
+        <a:xfrm>
+          <a:off x="3597842" y="1292576"/>
+          <a:ext cx="159795" cy="1246406"/>
+        </a:xfrm>
+        <a:custGeom>
+          <a:avLst/>
+          <a:gdLst/>
+          <a:ahLst/>
+          <a:cxnLst/>
+          <a:rect l="0" t="0" r="0" b="0"/>
+          <a:pathLst>
+            <a:path>
+              <a:moveTo>
+                <a:pt x="0" y="0"/>
+              </a:moveTo>
+              <a:lnTo>
+                <a:pt x="0" y="1246406"/>
+              </a:lnTo>
+              <a:lnTo>
+                <a:pt x="159795" y="1246406"/>
+              </a:lnTo>
+            </a:path>
+          </a:pathLst>
+        </a:custGeom>
+        <a:noFill/>
+        <a:ln w="15875" cap="flat" cmpd="sng" algn="ctr">
+          <a:solidFill>
+            <a:schemeClr val="accent1">
+              <a:shade val="80000"/>
+              <a:hueOff val="0"/>
+              <a:satOff val="0"/>
+              <a:lumOff val="0"/>
+              <a:alphaOff val="0"/>
+            </a:schemeClr>
+          </a:solidFill>
+          <a:prstDash val="solid"/>
+        </a:ln>
+        <a:effectLst/>
+      </dsp:spPr>
+      <dsp:style>
+        <a:lnRef idx="2">
+          <a:scrgbClr r="0" g="0" b="0"/>
+        </a:lnRef>
+        <a:fillRef idx="0">
+          <a:scrgbClr r="0" g="0" b="0"/>
+        </a:fillRef>
+        <a:effectRef idx="0">
+          <a:scrgbClr r="0" g="0" b="0"/>
+        </a:effectRef>
+        <a:fontRef idx="minor"/>
+      </dsp:style>
+    </dsp:sp>
+    <dsp:sp modelId="{59F77081-A76A-4D1C-9C48-B570E0CF44FB}">
+      <dsp:nvSpPr>
+        <dsp:cNvPr id="0" name=""/>
+        <dsp:cNvSpPr/>
+      </dsp:nvSpPr>
+      <dsp:spPr>
+        <a:xfrm>
+          <a:off x="3597842" y="1292576"/>
+          <a:ext cx="159795" cy="490040"/>
+        </a:xfrm>
+        <a:custGeom>
+          <a:avLst/>
+          <a:gdLst/>
+          <a:ahLst/>
+          <a:cxnLst/>
+          <a:rect l="0" t="0" r="0" b="0"/>
+          <a:pathLst>
+            <a:path>
+              <a:moveTo>
+                <a:pt x="0" y="0"/>
+              </a:moveTo>
+              <a:lnTo>
+                <a:pt x="0" y="490040"/>
+              </a:lnTo>
+              <a:lnTo>
+                <a:pt x="159795" y="490040"/>
+              </a:lnTo>
+            </a:path>
+          </a:pathLst>
+        </a:custGeom>
+        <a:noFill/>
+        <a:ln w="15875" cap="flat" cmpd="sng" algn="ctr">
+          <a:solidFill>
+            <a:schemeClr val="accent1">
+              <a:shade val="80000"/>
+              <a:hueOff val="0"/>
+              <a:satOff val="0"/>
+              <a:lumOff val="0"/>
+              <a:alphaOff val="0"/>
+            </a:schemeClr>
+          </a:solidFill>
+          <a:prstDash val="solid"/>
+        </a:ln>
+        <a:effectLst/>
+      </dsp:spPr>
+      <dsp:style>
+        <a:lnRef idx="2">
+          <a:scrgbClr r="0" g="0" b="0"/>
+        </a:lnRef>
+        <a:fillRef idx="0">
+          <a:scrgbClr r="0" g="0" b="0"/>
+        </a:fillRef>
+        <a:effectRef idx="0">
+          <a:scrgbClr r="0" g="0" b="0"/>
+        </a:effectRef>
+        <a:fontRef idx="minor"/>
+      </dsp:style>
+    </dsp:sp>
     <dsp:sp modelId="{7B82CD7D-E66B-495D-A167-208DAFE04C14}">
       <dsp:nvSpPr>
         <dsp:cNvPr id="0" name=""/>
@@ -2554,6 +2844,150 @@
       </dsp:txBody>
       <dsp:txXfrm>
         <a:off x="3491312" y="759924"/>
+        <a:ext cx="1065304" cy="532652"/>
+      </dsp:txXfrm>
+    </dsp:sp>
+    <dsp:sp modelId="{7C03A4D4-B47B-4D37-8069-F22DDA619E24}">
+      <dsp:nvSpPr>
+        <dsp:cNvPr id="0" name=""/>
+        <dsp:cNvSpPr/>
+      </dsp:nvSpPr>
+      <dsp:spPr>
+        <a:xfrm>
+          <a:off x="3757638" y="1516290"/>
+          <a:ext cx="1065304" cy="532652"/>
+        </a:xfrm>
+        <a:prstGeom prst="rect">
+          <a:avLst/>
+        </a:prstGeom>
+        <a:solidFill>
+          <a:schemeClr val="tx1"/>
+        </a:solidFill>
+        <a:ln w="15875" cap="flat" cmpd="sng" algn="ctr">
+          <a:solidFill>
+            <a:schemeClr val="lt1">
+              <a:hueOff val="0"/>
+              <a:satOff val="0"/>
+              <a:lumOff val="0"/>
+              <a:alphaOff val="0"/>
+            </a:schemeClr>
+          </a:solidFill>
+          <a:prstDash val="solid"/>
+        </a:ln>
+        <a:effectLst/>
+      </dsp:spPr>
+      <dsp:style>
+        <a:lnRef idx="2">
+          <a:scrgbClr r="0" g="0" b="0"/>
+        </a:lnRef>
+        <a:fillRef idx="1">
+          <a:scrgbClr r="0" g="0" b="0"/>
+        </a:fillRef>
+        <a:effectRef idx="0">
+          <a:scrgbClr r="0" g="0" b="0"/>
+        </a:effectRef>
+        <a:fontRef idx="minor">
+          <a:schemeClr val="lt1"/>
+        </a:fontRef>
+      </dsp:style>
+      <dsp:txBody>
+        <a:bodyPr spcFirstLastPara="0" vert="horz" wrap="square" lIns="5715" tIns="5715" rIns="5715" bIns="5715" numCol="1" spcCol="1270" anchor="ctr" anchorCtr="0">
+          <a:noAutofit/>
+        </a:bodyPr>
+        <a:lstStyle/>
+        <a:p>
+          <a:pPr marL="0" lvl="0" indent="0" algn="ctr" defTabSz="400050">
+            <a:lnSpc>
+              <a:spcPct val="90000"/>
+            </a:lnSpc>
+            <a:spcBef>
+              <a:spcPct val="0"/>
+            </a:spcBef>
+            <a:spcAft>
+              <a:spcPct val="35000"/>
+            </a:spcAft>
+            <a:buNone/>
+          </a:pPr>
+          <a:r>
+            <a:rPr lang="ru-RU" sz="900" kern="1200" dirty="0"/>
+            <a:t>Регистрация пользователей</a:t>
+          </a:r>
+        </a:p>
+      </dsp:txBody>
+      <dsp:txXfrm>
+        <a:off x="3757638" y="1516290"/>
+        <a:ext cx="1065304" cy="532652"/>
+      </dsp:txXfrm>
+    </dsp:sp>
+    <dsp:sp modelId="{5160B6BE-6956-4B37-A4F5-902F56B3729C}">
+      <dsp:nvSpPr>
+        <dsp:cNvPr id="0" name=""/>
+        <dsp:cNvSpPr/>
+      </dsp:nvSpPr>
+      <dsp:spPr>
+        <a:xfrm>
+          <a:off x="3757638" y="2272656"/>
+          <a:ext cx="1065304" cy="532652"/>
+        </a:xfrm>
+        <a:prstGeom prst="rect">
+          <a:avLst/>
+        </a:prstGeom>
+        <a:solidFill>
+          <a:schemeClr val="tx1"/>
+        </a:solidFill>
+        <a:ln w="15875" cap="flat" cmpd="sng" algn="ctr">
+          <a:solidFill>
+            <a:schemeClr val="lt1">
+              <a:hueOff val="0"/>
+              <a:satOff val="0"/>
+              <a:lumOff val="0"/>
+              <a:alphaOff val="0"/>
+            </a:schemeClr>
+          </a:solidFill>
+          <a:prstDash val="solid"/>
+        </a:ln>
+        <a:effectLst/>
+      </dsp:spPr>
+      <dsp:style>
+        <a:lnRef idx="2">
+          <a:scrgbClr r="0" g="0" b="0"/>
+        </a:lnRef>
+        <a:fillRef idx="1">
+          <a:scrgbClr r="0" g="0" b="0"/>
+        </a:fillRef>
+        <a:effectRef idx="0">
+          <a:scrgbClr r="0" g="0" b="0"/>
+        </a:effectRef>
+        <a:fontRef idx="minor">
+          <a:schemeClr val="lt1"/>
+        </a:fontRef>
+      </dsp:style>
+      <dsp:txBody>
+        <a:bodyPr spcFirstLastPara="0" vert="horz" wrap="square" lIns="5715" tIns="5715" rIns="5715" bIns="5715" numCol="1" spcCol="1270" anchor="ctr" anchorCtr="0">
+          <a:noAutofit/>
+        </a:bodyPr>
+        <a:lstStyle/>
+        <a:p>
+          <a:pPr marL="0" lvl="0" indent="0" algn="ctr" defTabSz="400050">
+            <a:lnSpc>
+              <a:spcPct val="90000"/>
+            </a:lnSpc>
+            <a:spcBef>
+              <a:spcPct val="0"/>
+            </a:spcBef>
+            <a:spcAft>
+              <a:spcPct val="35000"/>
+            </a:spcAft>
+            <a:buNone/>
+          </a:pPr>
+          <a:r>
+            <a:rPr lang="ru-RU" sz="900" kern="1200" dirty="0"/>
+            <a:t>Авторизация пользователей</a:t>
+          </a:r>
+        </a:p>
+      </dsp:txBody>
+      <dsp:txXfrm>
+        <a:off x="3757638" y="2272656"/>
         <a:ext cx="1065304" cy="532652"/>
       </dsp:txXfrm>
     </dsp:sp>
@@ -5343,7 +5777,7 @@
           <a:p>
             <a:fld id="{5203C8CA-A229-406B-BB94-4DFDE26F307A}" type="datetimeFigureOut">
               <a:rPr lang="ru-RU" smtClean="0"/>
-              <a:t>22.05.2020</a:t>
+              <a:t>17.06.2020</a:t>
             </a:fld>
             <a:endParaRPr lang="ru-RU"/>
           </a:p>
@@ -14403,7 +14837,7 @@
           <a:p>
             <a:fld id="{073ED0CC-082F-4160-86E5-0D6041F12778}" type="datetime1">
               <a:rPr lang="en-US" smtClean="0"/>
-              <a:t>5/22/2020</a:t>
+              <a:t>6/17/2020</a:t>
             </a:fld>
             <a:endParaRPr lang="en-US" dirty="0"/>
           </a:p>
@@ -14611,7 +15045,7 @@
           <a:p>
             <a:fld id="{073ED0CC-082F-4160-86E5-0D6041F12778}" type="datetime1">
               <a:rPr lang="en-US" smtClean="0"/>
-              <a:t>5/22/2020</a:t>
+              <a:t>6/17/2020</a:t>
             </a:fld>
             <a:endParaRPr lang="en-US" dirty="0"/>
           </a:p>
@@ -14792,7 +15226,7 @@
           <a:p>
             <a:fld id="{073ED0CC-082F-4160-86E5-0D6041F12778}" type="datetime1">
               <a:rPr lang="en-US" smtClean="0"/>
-              <a:t>5/22/2020</a:t>
+              <a:t>6/17/2020</a:t>
             </a:fld>
             <a:endParaRPr lang="en-US" dirty="0"/>
           </a:p>
@@ -14998,7 +15432,7 @@
           <a:p>
             <a:fld id="{073ED0CC-082F-4160-86E5-0D6041F12778}" type="datetime1">
               <a:rPr lang="en-US" smtClean="0"/>
-              <a:t>5/22/2020</a:t>
+              <a:t>6/17/2020</a:t>
             </a:fld>
             <a:endParaRPr lang="en-US" dirty="0"/>
           </a:p>
@@ -23897,7 +24331,7 @@
           <a:p>
             <a:fld id="{073ED0CC-082F-4160-86E5-0D6041F12778}" type="datetime1">
               <a:rPr lang="en-US" smtClean="0"/>
-              <a:t>5/22/2020</a:t>
+              <a:t>6/17/2020</a:t>
             </a:fld>
             <a:endParaRPr lang="en-US" dirty="0"/>
           </a:p>
@@ -24172,7 +24606,7 @@
           <a:p>
             <a:fld id="{073ED0CC-082F-4160-86E5-0D6041F12778}" type="datetime1">
               <a:rPr lang="en-US" smtClean="0"/>
-              <a:t>5/22/2020</a:t>
+              <a:t>6/17/2020</a:t>
             </a:fld>
             <a:endParaRPr lang="en-US" dirty="0"/>
           </a:p>
@@ -24571,7 +25005,7 @@
           <a:p>
             <a:fld id="{073ED0CC-082F-4160-86E5-0D6041F12778}" type="datetime1">
               <a:rPr lang="en-US" smtClean="0"/>
-              <a:t>5/22/2020</a:t>
+              <a:t>6/17/2020</a:t>
             </a:fld>
             <a:endParaRPr lang="en-US" dirty="0"/>
           </a:p>
@@ -24690,7 +25124,7 @@
           <a:p>
             <a:fld id="{073ED0CC-082F-4160-86E5-0D6041F12778}" type="datetime1">
               <a:rPr lang="en-US" smtClean="0"/>
-              <a:t>5/22/2020</a:t>
+              <a:t>6/17/2020</a:t>
             </a:fld>
             <a:endParaRPr lang="en-US" dirty="0"/>
           </a:p>
@@ -24786,7 +25220,7 @@
           <a:p>
             <a:fld id="{073ED0CC-082F-4160-86E5-0D6041F12778}" type="datetime1">
               <a:rPr lang="en-US" smtClean="0"/>
-              <a:t>5/22/2020</a:t>
+              <a:t>6/17/2020</a:t>
             </a:fld>
             <a:endParaRPr lang="en-US" dirty="0"/>
           </a:p>
@@ -25077,7 +25511,7 @@
           <a:p>
             <a:fld id="{073ED0CC-082F-4160-86E5-0D6041F12778}" type="datetime1">
               <a:rPr lang="en-US" smtClean="0"/>
-              <a:t>5/22/2020</a:t>
+              <a:t>6/17/2020</a:t>
             </a:fld>
             <a:endParaRPr lang="en-US" dirty="0"/>
           </a:p>
@@ -25358,7 +25792,7 @@
           <a:p>
             <a:fld id="{073ED0CC-082F-4160-86E5-0D6041F12778}" type="datetime1">
               <a:rPr lang="en-US" smtClean="0"/>
-              <a:t>5/22/2020</a:t>
+              <a:t>6/17/2020</a:t>
             </a:fld>
             <a:endParaRPr lang="en-US" dirty="0"/>
           </a:p>
@@ -25609,7 +26043,7 @@
           <a:p>
             <a:fld id="{073ED0CC-082F-4160-86E5-0D6041F12778}" type="datetime1">
               <a:rPr lang="en-US" smtClean="0"/>
-              <a:t>5/22/2020</a:t>
+              <a:t>6/17/2020</a:t>
             </a:fld>
             <a:endParaRPr lang="en-US" dirty="0"/>
           </a:p>
@@ -30087,7 +30521,7 @@
             <p:ph idx="1"/>
             <p:extLst>
               <p:ext uri="{D42A27DB-BD31-4B8C-83A1-F6EECF244321}">
-                <p14:modId xmlns:p14="http://schemas.microsoft.com/office/powerpoint/2010/main" val="238893603"/>
+                <p14:modId xmlns:p14="http://schemas.microsoft.com/office/powerpoint/2010/main" val="1303967841"/>
               </p:ext>
             </p:extLst>
           </p:nvPr>
